--- a/Documents/API project presentation.pptx
+++ b/Documents/API project presentation.pptx
@@ -6725,7 +6725,7 @@
                   <a:srgbClr val="005DA1"/>
                 </a:solidFill>
               </a:rPr>
-              <a:t>Logging</a:t>
+              <a:t>logging</a:t>
             </a:r>
           </a:p>
           <a:p>

--- a/Documents/API project presentation.pptx
+++ b/Documents/API project presentation.pptx
@@ -7,10 +7,12 @@
   <p:sldIdLst>
     <p:sldId id="256" r:id="rId2"/>
     <p:sldId id="263" r:id="rId3"/>
-    <p:sldId id="257" r:id="rId4"/>
-    <p:sldId id="265" r:id="rId5"/>
-    <p:sldId id="264" r:id="rId6"/>
-    <p:sldId id="262" r:id="rId7"/>
+    <p:sldId id="266" r:id="rId4"/>
+    <p:sldId id="257" r:id="rId5"/>
+    <p:sldId id="265" r:id="rId6"/>
+    <p:sldId id="264" r:id="rId7"/>
+    <p:sldId id="267" r:id="rId8"/>
+    <p:sldId id="262" r:id="rId9"/>
   </p:sldIdLst>
   <p:sldSz cx="12192000" cy="6858000"/>
   <p:notesSz cx="6858000" cy="9144000"/>
@@ -116,9 +118,11 @@
           <p14:sldIdLst>
             <p14:sldId id="256"/>
             <p14:sldId id="263"/>
+            <p14:sldId id="266"/>
             <p14:sldId id="257"/>
             <p14:sldId id="265"/>
             <p14:sldId id="264"/>
+            <p14:sldId id="267"/>
             <p14:sldId id="262"/>
           </p14:sldIdLst>
         </p14:section>
@@ -854,7 +858,7 @@
             <a:fld id="{B61BEF0D-F0BB-DE4B-95CE-6DB70DBA9567}" type="datetimeFigureOut">
               <a:rPr lang="en-US" dirty="0"/>
               <a:pPr/>
-              <a:t>4/29/19</a:t>
+              <a:t>4/30/19</a:t>
             </a:fld>
             <a:endParaRPr lang="en-US" dirty="0"/>
           </a:p>
@@ -1107,7 +1111,7 @@
             <a:fld id="{B61BEF0D-F0BB-DE4B-95CE-6DB70DBA9567}" type="datetimeFigureOut">
               <a:rPr lang="en-US" dirty="0"/>
               <a:pPr/>
-              <a:t>4/29/19</a:t>
+              <a:t>4/30/19</a:t>
             </a:fld>
             <a:endParaRPr lang="en-US" dirty="0"/>
           </a:p>
@@ -1428,7 +1432,7 @@
             <a:fld id="{B61BEF0D-F0BB-DE4B-95CE-6DB70DBA9567}" type="datetimeFigureOut">
               <a:rPr lang="en-US" dirty="0"/>
               <a:pPr/>
-              <a:t>4/29/19</a:t>
+              <a:t>4/30/19</a:t>
             </a:fld>
             <a:endParaRPr lang="en-US" dirty="0"/>
           </a:p>
@@ -1771,7 +1775,7 @@
             <a:fld id="{B61BEF0D-F0BB-DE4B-95CE-6DB70DBA9567}" type="datetimeFigureOut">
               <a:rPr lang="en-US" dirty="0"/>
               <a:pPr/>
-              <a:t>4/29/19</a:t>
+              <a:t>4/30/19</a:t>
             </a:fld>
             <a:endParaRPr lang="en-US" dirty="0"/>
           </a:p>
@@ -2092,7 +2096,7 @@
             <a:fld id="{B61BEF0D-F0BB-DE4B-95CE-6DB70DBA9567}" type="datetimeFigureOut">
               <a:rPr lang="en-US" dirty="0"/>
               <a:pPr/>
-              <a:t>4/29/19</a:t>
+              <a:t>4/30/19</a:t>
             </a:fld>
             <a:endParaRPr lang="en-US" dirty="0"/>
           </a:p>
@@ -2492,7 +2496,7 @@
             <a:fld id="{B61BEF0D-F0BB-DE4B-95CE-6DB70DBA9567}" type="datetimeFigureOut">
               <a:rPr lang="en-US" dirty="0"/>
               <a:pPr/>
-              <a:t>4/29/19</a:t>
+              <a:t>4/30/19</a:t>
             </a:fld>
             <a:endParaRPr lang="en-US" dirty="0"/>
           </a:p>
@@ -2634,7 +2638,7 @@
           <a:p>
             <a:fld id="{55C6B4A9-1611-4792-9094-5F34BCA07E0B}" type="datetimeFigureOut">
               <a:rPr lang="en-US" dirty="0"/>
-              <a:t>4/29/19</a:t>
+              <a:t>4/30/19</a:t>
             </a:fld>
             <a:endParaRPr lang="en-US" dirty="0"/>
           </a:p>
@@ -2786,7 +2790,7 @@
             <a:fld id="{B61BEF0D-F0BB-DE4B-95CE-6DB70DBA9567}" type="datetimeFigureOut">
               <a:rPr lang="en-US" dirty="0"/>
               <a:pPr/>
-              <a:t>4/29/19</a:t>
+              <a:t>4/30/19</a:t>
             </a:fld>
             <a:endParaRPr lang="en-US" dirty="0"/>
           </a:p>
@@ -2935,7 +2939,7 @@
             <a:fld id="{B61BEF0D-F0BB-DE4B-95CE-6DB70DBA9567}" type="datetimeFigureOut">
               <a:rPr lang="en-US" dirty="0"/>
               <a:pPr/>
-              <a:t>4/29/19</a:t>
+              <a:t>4/30/19</a:t>
             </a:fld>
             <a:endParaRPr lang="en-US" dirty="0"/>
           </a:p>
@@ -3184,7 +3188,7 @@
             <a:fld id="{B61BEF0D-F0BB-DE4B-95CE-6DB70DBA9567}" type="datetimeFigureOut">
               <a:rPr lang="en-US" dirty="0"/>
               <a:pPr/>
-              <a:t>4/29/19</a:t>
+              <a:t>4/30/19</a:t>
             </a:fld>
             <a:endParaRPr lang="en-US" dirty="0"/>
           </a:p>
@@ -3364,7 +3368,7 @@
           <a:p>
             <a:fld id="{EB712588-04B1-427B-82EE-E8DB90309F08}" type="datetimeFigureOut">
               <a:rPr lang="en-US" dirty="0"/>
-              <a:t>4/29/19</a:t>
+              <a:t>4/30/19</a:t>
             </a:fld>
             <a:endParaRPr lang="en-US" dirty="0"/>
           </a:p>
@@ -3696,7 +3700,7 @@
             <a:fld id="{B61BEF0D-F0BB-DE4B-95CE-6DB70DBA9567}" type="datetimeFigureOut">
               <a:rPr lang="en-US" dirty="0"/>
               <a:pPr/>
-              <a:t>4/29/19</a:t>
+              <a:t>4/30/19</a:t>
             </a:fld>
             <a:endParaRPr lang="en-US" dirty="0"/>
           </a:p>
@@ -3816,7 +3820,7 @@
             <a:fld id="{B61BEF0D-F0BB-DE4B-95CE-6DB70DBA9567}" type="datetimeFigureOut">
               <a:rPr lang="en-US" dirty="0"/>
               <a:pPr/>
-              <a:t>4/29/19</a:t>
+              <a:t>4/30/19</a:t>
             </a:fld>
             <a:endParaRPr lang="en-US" dirty="0"/>
           </a:p>
@@ -3908,7 +3912,7 @@
             <a:fld id="{B61BEF0D-F0BB-DE4B-95CE-6DB70DBA9567}" type="datetimeFigureOut">
               <a:rPr lang="en-US" dirty="0"/>
               <a:pPr/>
-              <a:t>4/29/19</a:t>
+              <a:t>4/30/19</a:t>
             </a:fld>
             <a:endParaRPr lang="en-US" dirty="0"/>
           </a:p>
@@ -4140,7 +4144,7 @@
           <a:p>
             <a:fld id="{42A54C80-263E-416B-A8E0-580EDEADCBDC}" type="datetimeFigureOut">
               <a:rPr lang="en-US" dirty="0"/>
-              <a:t>4/29/19</a:t>
+              <a:t>4/30/19</a:t>
             </a:fld>
             <a:endParaRPr lang="en-US" dirty="0"/>
           </a:p>
@@ -4404,7 +4408,7 @@
             <a:fld id="{B61BEF0D-F0BB-DE4B-95CE-6DB70DBA9567}" type="datetimeFigureOut">
               <a:rPr lang="en-US" dirty="0"/>
               <a:pPr/>
-              <a:t>4/29/19</a:t>
+              <a:t>4/30/19</a:t>
             </a:fld>
             <a:endParaRPr lang="en-US" dirty="0"/>
           </a:p>
@@ -5120,7 +5124,7 @@
             <a:fld id="{B61BEF0D-F0BB-DE4B-95CE-6DB70DBA9567}" type="datetimeFigureOut">
               <a:rPr lang="en-US" dirty="0"/>
               <a:pPr/>
-              <a:t>4/29/19</a:t>
+              <a:t>4/30/19</a:t>
             </a:fld>
             <a:endParaRPr lang="en-US" dirty="0"/>
           </a:p>
@@ -5658,8 +5662,8 @@
         </p:nvSpPr>
         <p:spPr>
           <a:xfrm>
-            <a:off x="1333508" y="3006311"/>
-            <a:ext cx="6498400" cy="1316592"/>
+            <a:off x="1551222" y="3056181"/>
+            <a:ext cx="6743692" cy="636781"/>
           </a:xfrm>
         </p:spPr>
         <p:txBody>
@@ -5672,7 +5676,23 @@
                   <a:schemeClr val="tx1"/>
                 </a:solidFill>
               </a:rPr>
-              <a:t>Проект автономного онлайн консультанта</a:t>
+              <a:t>Проект</a:t>
+            </a:r>
+            <a:r>
+              <a:rPr lang="en-US" sz="3600" b="1" dirty="0">
+                <a:solidFill>
+                  <a:schemeClr val="tx1"/>
+                </a:solidFill>
+              </a:rPr>
+              <a:t> </a:t>
+            </a:r>
+            <a:r>
+              <a:rPr lang="ru-RU" sz="3600" b="1" dirty="0">
+                <a:solidFill>
+                  <a:schemeClr val="tx1"/>
+                </a:solidFill>
+              </a:rPr>
+              <a:t>онлайн консультанта</a:t>
             </a:r>
           </a:p>
         </p:txBody>
@@ -6150,32 +6170,71 @@
               <a:buNone/>
             </a:pPr>
             <a:r>
-              <a:rPr lang="ru-RU" sz="2200" dirty="0">
+              <a:rPr lang="ru-RU" sz="2200" b="1" dirty="0">
                 <a:solidFill>
                   <a:schemeClr val="accent2">
                     <a:lumMod val="75000"/>
                   </a:schemeClr>
                 </a:solidFill>
               </a:rPr>
-              <a:t>Проект представляет собой чат-бота, реализованного через API. Он может искать и предлагать товары</a:t>
-            </a:r>
-            <a:r>
-              <a:rPr lang="en-US" sz="2200" dirty="0">
+              <a:t>Проект</a:t>
+            </a:r>
+            <a:r>
+              <a:rPr lang="ru-RU" sz="2200" dirty="0">
                 <a:solidFill>
                   <a:schemeClr val="accent2">
                     <a:lumMod val="75000"/>
                   </a:schemeClr>
                 </a:solidFill>
               </a:rPr>
+              <a:t> представляет собой чат-бота от интернет-магазина </a:t>
+            </a:r>
+            <a:r>
+              <a:rPr lang="en-US" sz="2200" dirty="0">
+                <a:solidFill>
+                  <a:schemeClr val="accent2">
+                    <a:lumMod val="75000"/>
+                  </a:schemeClr>
+                </a:solidFill>
+              </a:rPr>
+              <a:t>Re</a:t>
+            </a:r>
+            <a:r>
+              <a:rPr lang="en-US" sz="2200" dirty="0">
+                <a:solidFill>
+                  <a:srgbClr val="005DA1"/>
+                </a:solidFill>
+              </a:rPr>
+              <a:t>_restore</a:t>
+            </a:r>
+            <a:r>
+              <a:rPr lang="ru-RU" sz="2200" dirty="0">
+                <a:solidFill>
+                  <a:schemeClr val="accent2">
+                    <a:lumMod val="75000"/>
+                  </a:schemeClr>
+                </a:solidFill>
+              </a:rPr>
+              <a:t> для голосового помощника </a:t>
+            </a:r>
+            <a:r>
+              <a:rPr lang="ru-RU" sz="2200" dirty="0">
+                <a:solidFill>
+                  <a:srgbClr val="FF0000"/>
+                </a:solidFill>
+              </a:rPr>
+              <a:t>Алисы</a:t>
+            </a:r>
+            <a:r>
+              <a:rPr lang="ru-RU" sz="2200" dirty="0">
+                <a:solidFill>
+                  <a:schemeClr val="accent2">
+                    <a:lumMod val="75000"/>
+                  </a:schemeClr>
+                </a:solidFill>
+              </a:rPr>
               <a:t>.</a:t>
             </a:r>
-            <a:endParaRPr lang="ru-RU" sz="2200" dirty="0">
-              <a:solidFill>
-                <a:schemeClr val="accent2">
-                  <a:lumMod val="75000"/>
-                </a:schemeClr>
-              </a:solidFill>
-            </a:endParaRPr>
           </a:p>
           <a:p>
             <a:pPr marL="0" indent="0">
@@ -6272,8 +6331,8 @@
         </p:nvSpPr>
         <p:spPr>
           <a:xfrm>
-            <a:off x="440854" y="625704"/>
-            <a:ext cx="8219670" cy="910558"/>
+            <a:off x="440854" y="625703"/>
+            <a:ext cx="8682125" cy="1170440"/>
           </a:xfrm>
         </p:spPr>
         <p:txBody>
@@ -6286,14 +6345,24 @@
               <a:buNone/>
             </a:pPr>
             <a:r>
-              <a:rPr lang="ru-RU" sz="2200" dirty="0">
+              <a:rPr lang="ru-RU" sz="2200" b="1" dirty="0">
                 <a:solidFill>
                   <a:schemeClr val="accent2">
                     <a:lumMod val="75000"/>
                   </a:schemeClr>
                 </a:solidFill>
               </a:rPr>
-              <a:t>Есть возможность авторизации, после которой появляется доступ к функциям личного кабинета.</a:t>
+              <a:t>Идея: </a:t>
+            </a:r>
+            <a:r>
+              <a:rPr lang="ru-RU" sz="2200" dirty="0">
+                <a:solidFill>
+                  <a:schemeClr val="accent2">
+                    <a:lumMod val="75000"/>
+                  </a:schemeClr>
+                </a:solidFill>
+              </a:rPr>
+              <a:t>создание автономного онлайн консультанта, который советует пользователям, что купить, позволяет искать товары, узнавать о них информацию и делать заказы в магазине.</a:t>
             </a:r>
           </a:p>
         </p:txBody>
@@ -6303,7 +6372,7 @@
           <p:cNvPr id="4" name="Рисунок 3">
             <a:extLst>
               <a:ext uri="{FF2B5EF4-FFF2-40B4-BE49-F238E27FC236}">
-                <a16:creationId xmlns:a16="http://schemas.microsoft.com/office/drawing/2014/main" id="{71D154BF-C627-7A45-81AC-F4B306915001}"/>
+                <a16:creationId xmlns:a16="http://schemas.microsoft.com/office/drawing/2014/main" id="{E27EA606-05C1-D747-9EF5-930AE6CB2B6A}"/>
               </a:ext>
             </a:extLst>
           </p:cNvPr>
@@ -6320,8 +6389,8 @@
         </p:blipFill>
         <p:spPr>
           <a:xfrm>
-            <a:off x="1492468" y="1536262"/>
-            <a:ext cx="5275974" cy="5043952"/>
+            <a:off x="1545092" y="1851322"/>
+            <a:ext cx="4805744" cy="4638102"/>
           </a:xfrm>
           <a:prstGeom prst="rect">
             <a:avLst/>
@@ -6331,7 +6400,7 @@
     </p:spTree>
     <p:extLst>
       <p:ext uri="{BB962C8B-B14F-4D97-AF65-F5344CB8AC3E}">
-        <p14:creationId xmlns:p14="http://schemas.microsoft.com/office/powerpoint/2010/main" val="2759858195"/>
+        <p14:creationId xmlns:p14="http://schemas.microsoft.com/office/powerpoint/2010/main" val="192349930"/>
       </p:ext>
     </p:extLst>
   </p:cSld>
@@ -6379,8 +6448,8 @@
         </p:nvSpPr>
         <p:spPr>
           <a:xfrm>
-            <a:off x="440854" y="625704"/>
-            <a:ext cx="3038070" cy="702354"/>
+            <a:off x="440854" y="625703"/>
+            <a:ext cx="8219670" cy="1181325"/>
           </a:xfrm>
         </p:spPr>
         <p:txBody>
@@ -6393,14 +6462,44 @@
               <a:buNone/>
             </a:pPr>
             <a:r>
-              <a:rPr lang="ru-RU" sz="3600" dirty="0">
+              <a:rPr lang="ru-RU" sz="2200" dirty="0">
                 <a:solidFill>
                   <a:schemeClr val="accent2">
                     <a:lumMod val="75000"/>
                   </a:schemeClr>
                 </a:solidFill>
               </a:rPr>
-              <a:t>Реализация</a:t>
+              <a:t>Есть </a:t>
+            </a:r>
+            <a:r>
+              <a:rPr lang="ru-RU" sz="2200" b="1" dirty="0">
+                <a:solidFill>
+                  <a:schemeClr val="accent2">
+                    <a:lumMod val="75000"/>
+                  </a:schemeClr>
+                </a:solidFill>
+              </a:rPr>
+              <a:t>возможность авторизации </a:t>
+            </a:r>
+            <a:r>
+              <a:rPr lang="ru-RU" sz="2200" dirty="0">
+                <a:solidFill>
+                  <a:schemeClr val="accent2">
+                    <a:lumMod val="75000"/>
+                  </a:schemeClr>
+                </a:solidFill>
+              </a:rPr>
+              <a:t>посредством ввода логина и пароля, после которой появляется доступ к функциям личного кабинета. — Безопасность? — Не, не слышали</a:t>
+            </a:r>
+            <a:r>
+              <a:rPr lang="en-US" sz="2200" dirty="0">
+                <a:solidFill>
+                  <a:schemeClr val="accent2">
+                    <a:lumMod val="75000"/>
+                  </a:schemeClr>
+                </a:solidFill>
+              </a:rPr>
+              <a:t>.</a:t>
             </a:r>
             <a:endParaRPr lang="ru-RU" sz="2200" dirty="0">
               <a:solidFill>
@@ -6412,136 +6511,40 @@
           </a:p>
         </p:txBody>
       </p:sp>
-      <p:sp>
-        <p:nvSpPr>
-          <p:cNvPr id="2" name="TextBox 1">
+      <p:pic>
+        <p:nvPicPr>
+          <p:cNvPr id="4" name="Рисунок 3">
             <a:extLst>
               <a:ext uri="{FF2B5EF4-FFF2-40B4-BE49-F238E27FC236}">
-                <a16:creationId xmlns:a16="http://schemas.microsoft.com/office/drawing/2014/main" id="{2B970D47-8392-8549-B89A-27CCC13CE442}"/>
+                <a16:creationId xmlns:a16="http://schemas.microsoft.com/office/drawing/2014/main" id="{71D154BF-C627-7A45-81AC-F4B306915001}"/>
               </a:ext>
             </a:extLst>
           </p:cNvPr>
-          <p:cNvSpPr txBox="1"/>
+          <p:cNvPicPr>
+            <a:picLocks noChangeAspect="1"/>
+          </p:cNvPicPr>
           <p:nvPr/>
-        </p:nvSpPr>
+        </p:nvPicPr>
+        <p:blipFill>
+          <a:blip r:embed="rId2"/>
+          <a:stretch>
+            <a:fillRect/>
+          </a:stretch>
+        </p:blipFill>
         <p:spPr>
           <a:xfrm>
-            <a:off x="421204" y="1563855"/>
-            <a:ext cx="8991153" cy="1200329"/>
+            <a:off x="1578428" y="1807028"/>
+            <a:ext cx="5113813" cy="4888922"/>
           </a:xfrm>
           <a:prstGeom prst="rect">
             <a:avLst/>
           </a:prstGeom>
-          <a:noFill/>
         </p:spPr>
-        <p:txBody>
-          <a:bodyPr wrap="square" rtlCol="0">
-            <a:spAutoFit/>
-          </a:bodyPr>
-          <a:lstStyle/>
-          <a:p>
-            <a:r>
-              <a:rPr lang="ru-RU" b="1" dirty="0">
-                <a:solidFill>
-                  <a:srgbClr val="005DA1"/>
-                </a:solidFill>
-              </a:rPr>
-              <a:t>Скрипт </a:t>
-            </a:r>
-            <a:r>
-              <a:rPr lang="en-US" b="1" i="1" dirty="0" err="1">
-                <a:solidFill>
-                  <a:srgbClr val="005DA1"/>
-                </a:solidFill>
-              </a:rPr>
-              <a:t>app.py</a:t>
-            </a:r>
-            <a:r>
-              <a:rPr lang="ru-RU" b="1" dirty="0">
-                <a:solidFill>
-                  <a:srgbClr val="005DA1"/>
-                </a:solidFill>
-              </a:rPr>
-              <a:t>:</a:t>
-            </a:r>
-          </a:p>
-          <a:p>
-            <a:pPr marL="285750" indent="-285750">
-              <a:buFont typeface="Arial" panose="020B0604020202020204" pitchFamily="34" charset="0"/>
-              <a:buChar char="•"/>
-            </a:pPr>
-            <a:r>
-              <a:rPr lang="ru-RU" dirty="0">
-                <a:solidFill>
-                  <a:srgbClr val="005DA1"/>
-                </a:solidFill>
-              </a:rPr>
-              <a:t>Обработка </a:t>
-            </a:r>
-            <a:r>
-              <a:rPr lang="en-US" dirty="0">
-                <a:solidFill>
-                  <a:srgbClr val="005DA1"/>
-                </a:solidFill>
-              </a:rPr>
-              <a:t>http</a:t>
-            </a:r>
-            <a:r>
-              <a:rPr lang="ru-RU" dirty="0">
-                <a:solidFill>
-                  <a:srgbClr val="005DA1"/>
-                </a:solidFill>
-              </a:rPr>
-              <a:t> запросов</a:t>
-            </a:r>
-          </a:p>
-          <a:p>
-            <a:pPr marL="285750" indent="-285750">
-              <a:buFont typeface="Arial" panose="020B0604020202020204" pitchFamily="34" charset="0"/>
-              <a:buChar char="•"/>
-            </a:pPr>
-            <a:r>
-              <a:rPr lang="ru-RU" dirty="0">
-                <a:solidFill>
-                  <a:srgbClr val="005DA1"/>
-                </a:solidFill>
-              </a:rPr>
-              <a:t>Обработка поступающих данных от Алисы</a:t>
-            </a:r>
-          </a:p>
-          <a:p>
-            <a:pPr marL="285750" indent="-285750">
-              <a:buFont typeface="Arial" panose="020B0604020202020204" pitchFamily="34" charset="0"/>
-              <a:buChar char="•"/>
-            </a:pPr>
-            <a:r>
-              <a:rPr lang="ru-RU" dirty="0">
-                <a:solidFill>
-                  <a:srgbClr val="005DA1"/>
-                </a:solidFill>
-              </a:rPr>
-              <a:t>Работа с</a:t>
-            </a:r>
-            <a:r>
-              <a:rPr lang="en-US" dirty="0">
-                <a:solidFill>
-                  <a:srgbClr val="005DA1"/>
-                </a:solidFill>
-              </a:rPr>
-              <a:t> API Re_restore</a:t>
-            </a:r>
-            <a:endParaRPr lang="ru-RU" dirty="0">
-              <a:solidFill>
-                <a:srgbClr val="005DA1"/>
-              </a:solidFill>
-            </a:endParaRPr>
-          </a:p>
-        </p:txBody>
-      </p:sp>
+      </p:pic>
     </p:spTree>
     <p:extLst>
       <p:ext uri="{BB962C8B-B14F-4D97-AF65-F5344CB8AC3E}">
-        <p14:creationId xmlns:p14="http://schemas.microsoft.com/office/powerpoint/2010/main" val="1559171817"/>
+        <p14:creationId xmlns:p14="http://schemas.microsoft.com/office/powerpoint/2010/main" val="2759858195"/>
       </p:ext>
     </p:extLst>
   </p:cSld>
@@ -6610,7 +6613,7 @@
                   </a:schemeClr>
                 </a:solidFill>
               </a:rPr>
-              <a:t>Технологии</a:t>
+              <a:t>Реализация</a:t>
             </a:r>
             <a:endParaRPr lang="ru-RU" sz="2200" dirty="0">
               <a:solidFill>
@@ -6636,8 +6639,8 @@
         </p:nvSpPr>
         <p:spPr>
           <a:xfrm>
-            <a:off x="440855" y="1616403"/>
-            <a:ext cx="4015531" cy="1754326"/>
+            <a:off x="1524792" y="1663571"/>
+            <a:ext cx="5821940" cy="2816156"/>
           </a:xfrm>
           <a:prstGeom prst="rect">
             <a:avLst/>
@@ -6651,13 +6654,36 @@
           <a:lstStyle/>
           <a:p>
             <a:r>
-              <a:rPr lang="ru-RU" b="1" dirty="0">
+              <a:rPr lang="ru-RU" sz="2200" b="1" dirty="0">
                 <a:solidFill>
                   <a:srgbClr val="005DA1"/>
                 </a:solidFill>
               </a:rPr>
-              <a:t>Задействованные библиотеки:</a:t>
-            </a:r>
+              <a:t>Скрипт </a:t>
+            </a:r>
+            <a:r>
+              <a:rPr lang="en-US" sz="2200" b="1" i="1" dirty="0" err="1">
+                <a:solidFill>
+                  <a:srgbClr val="005DA1"/>
+                </a:solidFill>
+              </a:rPr>
+              <a:t>app.py</a:t>
+            </a:r>
+            <a:r>
+              <a:rPr lang="ru-RU" sz="2200" b="1" dirty="0">
+                <a:solidFill>
+                  <a:srgbClr val="005DA1"/>
+                </a:solidFill>
+              </a:rPr>
+              <a:t>:</a:t>
+            </a:r>
+          </a:p>
+          <a:p>
+            <a:endParaRPr lang="ru-RU" sz="500" b="1" dirty="0">
+              <a:solidFill>
+                <a:srgbClr val="005DA1"/>
+              </a:solidFill>
+            </a:endParaRPr>
           </a:p>
           <a:p>
             <a:pPr marL="285750" indent="-285750">
@@ -6665,22 +6691,48 @@
               <a:buChar char="•"/>
             </a:pPr>
             <a:r>
-              <a:rPr lang="en-US" i="1" dirty="0">
+              <a:rPr lang="ru-RU" sz="2000" dirty="0">
                 <a:solidFill>
                   <a:srgbClr val="005DA1"/>
                 </a:solidFill>
               </a:rPr>
-              <a:t>f</a:t>
-            </a:r>
-            <a:r>
-              <a:rPr lang="ru-RU" i="1" dirty="0" err="1">
+              <a:t>Обработка </a:t>
+            </a:r>
+            <a:r>
+              <a:rPr lang="en-US" sz="2000" dirty="0">
                 <a:solidFill>
                   <a:srgbClr val="005DA1"/>
                 </a:solidFill>
               </a:rPr>
-              <a:t>lask</a:t>
-            </a:r>
-            <a:endParaRPr lang="en-US" i="1" dirty="0">
+              <a:t>http</a:t>
+            </a:r>
+            <a:r>
+              <a:rPr lang="ru-RU" sz="2000" dirty="0">
+                <a:solidFill>
+                  <a:srgbClr val="005DA1"/>
+                </a:solidFill>
+              </a:rPr>
+              <a:t> запросов</a:t>
+            </a:r>
+            <a:r>
+              <a:rPr lang="en-US" sz="2000" dirty="0">
+                <a:solidFill>
+                  <a:srgbClr val="005DA1"/>
+                </a:solidFill>
+              </a:rPr>
+              <a:t> </a:t>
+            </a:r>
+            <a:r>
+              <a:rPr lang="ru-RU" sz="2000" dirty="0">
+                <a:solidFill>
+                  <a:srgbClr val="005DA1"/>
+                </a:solidFill>
+              </a:rPr>
+              <a:t>и поступающих данных от Алисы.</a:t>
+            </a:r>
+          </a:p>
+          <a:p>
+            <a:endParaRPr lang="ru-RU" sz="500" dirty="0">
               <a:solidFill>
                 <a:srgbClr val="005DA1"/>
               </a:solidFill>
@@ -6692,12 +6744,12 @@
               <a:buChar char="•"/>
             </a:pPr>
             <a:r>
-              <a:rPr lang="en-US" i="1" dirty="0">
+              <a:rPr lang="ru-RU" sz="2000" dirty="0">
                 <a:solidFill>
                   <a:srgbClr val="005DA1"/>
                 </a:solidFill>
               </a:rPr>
-              <a:t>requests</a:t>
+              <a:t>Формирование ответа, исходя из текущей ситуации при диалоге.</a:t>
             </a:r>
           </a:p>
           <a:p>
@@ -6705,14 +6757,11 @@
               <a:buFont typeface="Arial" panose="020B0604020202020204" pitchFamily="34" charset="0"/>
               <a:buChar char="•"/>
             </a:pPr>
-            <a:r>
-              <a:rPr lang="en-US" dirty="0">
-                <a:solidFill>
-                  <a:srgbClr val="005DA1"/>
-                </a:solidFill>
-              </a:rPr>
-              <a:t>random</a:t>
-            </a:r>
+            <a:endParaRPr lang="ru-RU" sz="500" dirty="0">
+              <a:solidFill>
+                <a:srgbClr val="005DA1"/>
+              </a:solidFill>
+            </a:endParaRPr>
           </a:p>
           <a:p>
             <a:pPr marL="285750" indent="-285750">
@@ -6720,164 +6769,36 @@
               <a:buChar char="•"/>
             </a:pPr>
             <a:r>
-              <a:rPr lang="en-US" dirty="0">
+              <a:rPr lang="ru-RU" sz="2000" dirty="0">
                 <a:solidFill>
                   <a:srgbClr val="005DA1"/>
                 </a:solidFill>
               </a:rPr>
-              <a:t>logging</a:t>
-            </a:r>
-          </a:p>
-          <a:p>
-            <a:pPr marL="285750" indent="-285750">
-              <a:buFont typeface="Arial" panose="020B0604020202020204" pitchFamily="34" charset="0"/>
-              <a:buChar char="•"/>
-            </a:pPr>
-            <a:r>
-              <a:rPr lang="en-US" dirty="0">
+              <a:t>Работа с</a:t>
+            </a:r>
+            <a:r>
+              <a:rPr lang="en-US" sz="2000" dirty="0">
                 <a:solidFill>
                   <a:srgbClr val="005DA1"/>
                 </a:solidFill>
               </a:rPr>
-              <a:t>json</a:t>
-            </a:r>
-          </a:p>
-        </p:txBody>
-      </p:sp>
-      <p:sp>
-        <p:nvSpPr>
-          <p:cNvPr id="7" name="TextBox 6">
-            <a:extLst>
-              <a:ext uri="{FF2B5EF4-FFF2-40B4-BE49-F238E27FC236}">
-                <a16:creationId xmlns:a16="http://schemas.microsoft.com/office/drawing/2014/main" id="{82129E3E-0931-5B42-A866-2E785BE75C8F}"/>
-              </a:ext>
-            </a:extLst>
-          </p:cNvPr>
-          <p:cNvSpPr txBox="1"/>
-          <p:nvPr/>
-        </p:nvSpPr>
-        <p:spPr>
-          <a:xfrm>
-            <a:off x="4821401" y="1616403"/>
-            <a:ext cx="4501277" cy="1831271"/>
-          </a:xfrm>
-          <a:prstGeom prst="rect">
-            <a:avLst/>
-          </a:prstGeom>
-          <a:noFill/>
-        </p:spPr>
-        <p:txBody>
-          <a:bodyPr wrap="square" rtlCol="0">
-            <a:spAutoFit/>
-          </a:bodyPr>
-          <a:lstStyle/>
-          <a:p>
-            <a:r>
-              <a:rPr lang="ru-RU" b="1" dirty="0">
+              <a:t> API Re_restore</a:t>
+            </a:r>
+            <a:r>
+              <a:rPr lang="ru-RU" sz="2000" dirty="0">
                 <a:solidFill>
                   <a:srgbClr val="005DA1"/>
                 </a:solidFill>
               </a:rPr>
-              <a:t>Решения:</a:t>
-            </a:r>
-          </a:p>
-          <a:p>
-            <a:pPr marL="285750" indent="-285750">
-              <a:buFont typeface="Arial" panose="020B0604020202020204" pitchFamily="34" charset="0"/>
-              <a:buChar char="•"/>
-            </a:pPr>
-            <a:r>
-              <a:rPr lang="ru-RU" dirty="0">
-                <a:solidFill>
-                  <a:srgbClr val="005DA1"/>
-                </a:solidFill>
-              </a:rPr>
-              <a:t>Интеграция с </a:t>
-            </a:r>
-            <a:r>
-              <a:rPr lang="en-US" dirty="0">
-                <a:solidFill>
-                  <a:srgbClr val="005DA1"/>
-                </a:solidFill>
-              </a:rPr>
-              <a:t>API Re_restore</a:t>
-            </a:r>
-            <a:endParaRPr lang="ru-RU" dirty="0">
-              <a:solidFill>
-                <a:srgbClr val="005DA1"/>
-              </a:solidFill>
-            </a:endParaRPr>
-          </a:p>
-          <a:p>
-            <a:pPr marL="285750" indent="-285750">
-              <a:buFont typeface="Arial" panose="020B0604020202020204" pitchFamily="34" charset="0"/>
-              <a:buChar char="•"/>
-            </a:pPr>
-            <a:endParaRPr lang="ru-RU" sz="500" i="1" dirty="0">
-              <a:solidFill>
-                <a:srgbClr val="005DA1"/>
-              </a:solidFill>
-            </a:endParaRPr>
-          </a:p>
-          <a:p>
-            <a:pPr marL="285750" indent="-285750">
-              <a:buFont typeface="Arial" panose="020B0604020202020204" pitchFamily="34" charset="0"/>
-              <a:buChar char="•"/>
-            </a:pPr>
-            <a:r>
-              <a:rPr lang="ru-RU" dirty="0">
-                <a:solidFill>
-                  <a:srgbClr val="005DA1"/>
-                </a:solidFill>
-              </a:rPr>
-              <a:t>Хранение пользовательских данных  сессий</a:t>
-            </a:r>
-            <a:r>
-              <a:rPr lang="en-US" dirty="0">
-                <a:solidFill>
-                  <a:srgbClr val="005DA1"/>
-                </a:solidFill>
-              </a:rPr>
-              <a:t> (</a:t>
-            </a:r>
-            <a:r>
-              <a:rPr lang="ru-RU" dirty="0">
-                <a:solidFill>
-                  <a:srgbClr val="005DA1"/>
-                </a:solidFill>
-              </a:rPr>
-              <a:t>авторизация, текущий статус</a:t>
-            </a:r>
-            <a:r>
-              <a:rPr lang="en-US" dirty="0">
-                <a:solidFill>
-                  <a:srgbClr val="005DA1"/>
-                </a:solidFill>
-              </a:rPr>
-              <a:t>)</a:t>
-            </a:r>
-            <a:r>
-              <a:rPr lang="ru-RU" dirty="0">
-                <a:solidFill>
-                  <a:srgbClr val="005DA1"/>
-                </a:solidFill>
-              </a:rPr>
-              <a:t> в словарях.</a:t>
-            </a:r>
-          </a:p>
-          <a:p>
-            <a:endParaRPr lang="ru-RU" dirty="0">
-              <a:solidFill>
-                <a:srgbClr val="005DA1"/>
-              </a:solidFill>
-            </a:endParaRPr>
+              <a:t> — получение данных о товаре, поиск, операции с корзиной, оформление заказа.</a:t>
+            </a:r>
           </a:p>
         </p:txBody>
       </p:sp>
     </p:spTree>
     <p:extLst>
       <p:ext uri="{BB962C8B-B14F-4D97-AF65-F5344CB8AC3E}">
-        <p14:creationId xmlns:p14="http://schemas.microsoft.com/office/powerpoint/2010/main" val="1819277179"/>
+        <p14:creationId xmlns:p14="http://schemas.microsoft.com/office/powerpoint/2010/main" val="1559171817"/>
       </p:ext>
     </p:extLst>
   </p:cSld>
@@ -6909,6 +6830,533 @@
       </p:grpSpPr>
       <p:sp>
         <p:nvSpPr>
+          <p:cNvPr id="3" name="Объект 2">
+            <a:extLst>
+              <a:ext uri="{FF2B5EF4-FFF2-40B4-BE49-F238E27FC236}">
+                <a16:creationId xmlns:a16="http://schemas.microsoft.com/office/drawing/2014/main" id="{BD2BE14E-6EB5-084C-8010-77F85463036A}"/>
+              </a:ext>
+            </a:extLst>
+          </p:cNvPr>
+          <p:cNvSpPr>
+            <a:spLocks noGrp="1"/>
+          </p:cNvSpPr>
+          <p:nvPr>
+            <p:ph idx="1"/>
+          </p:nvPr>
+        </p:nvSpPr>
+        <p:spPr>
+          <a:xfrm>
+            <a:off x="440854" y="625704"/>
+            <a:ext cx="3038070" cy="702354"/>
+          </a:xfrm>
+        </p:spPr>
+        <p:txBody>
+          <a:bodyPr>
+            <a:noAutofit/>
+          </a:bodyPr>
+          <a:lstStyle/>
+          <a:p>
+            <a:pPr marL="0" indent="0">
+              <a:buNone/>
+            </a:pPr>
+            <a:r>
+              <a:rPr lang="ru-RU" sz="3600" dirty="0">
+                <a:solidFill>
+                  <a:schemeClr val="accent2">
+                    <a:lumMod val="75000"/>
+                  </a:schemeClr>
+                </a:solidFill>
+              </a:rPr>
+              <a:t>Технологии</a:t>
+            </a:r>
+            <a:endParaRPr lang="ru-RU" sz="2200" dirty="0">
+              <a:solidFill>
+                <a:schemeClr val="accent2">
+                  <a:lumMod val="75000"/>
+                </a:schemeClr>
+              </a:solidFill>
+            </a:endParaRPr>
+          </a:p>
+        </p:txBody>
+      </p:sp>
+      <p:sp>
+        <p:nvSpPr>
+          <p:cNvPr id="2" name="TextBox 1">
+            <a:extLst>
+              <a:ext uri="{FF2B5EF4-FFF2-40B4-BE49-F238E27FC236}">
+                <a16:creationId xmlns:a16="http://schemas.microsoft.com/office/drawing/2014/main" id="{2B970D47-8392-8549-B89A-27CCC13CE442}"/>
+              </a:ext>
+            </a:extLst>
+          </p:cNvPr>
+          <p:cNvSpPr txBox="1"/>
+          <p:nvPr/>
+        </p:nvSpPr>
+        <p:spPr>
+          <a:xfrm>
+            <a:off x="1187379" y="1584190"/>
+            <a:ext cx="4583090" cy="2200602"/>
+          </a:xfrm>
+          <a:prstGeom prst="rect">
+            <a:avLst/>
+          </a:prstGeom>
+          <a:noFill/>
+        </p:spPr>
+        <p:txBody>
+          <a:bodyPr wrap="square" rtlCol="0">
+            <a:spAutoFit/>
+          </a:bodyPr>
+          <a:lstStyle/>
+          <a:p>
+            <a:r>
+              <a:rPr lang="ru-RU" sz="2200" b="1" dirty="0">
+                <a:solidFill>
+                  <a:srgbClr val="005DA1"/>
+                </a:solidFill>
+              </a:rPr>
+              <a:t>Задействованные библиотеки:</a:t>
+            </a:r>
+          </a:p>
+          <a:p>
+            <a:endParaRPr lang="ru-RU" sz="500" b="1" dirty="0">
+              <a:solidFill>
+                <a:srgbClr val="005DA1"/>
+              </a:solidFill>
+            </a:endParaRPr>
+          </a:p>
+          <a:p>
+            <a:pPr marL="285750" indent="-285750">
+              <a:buFont typeface="Arial" panose="020B0604020202020204" pitchFamily="34" charset="0"/>
+              <a:buChar char="•"/>
+            </a:pPr>
+            <a:r>
+              <a:rPr lang="en-US" sz="2200" i="1" dirty="0">
+                <a:solidFill>
+                  <a:srgbClr val="005DA1"/>
+                </a:solidFill>
+              </a:rPr>
+              <a:t>f</a:t>
+            </a:r>
+            <a:r>
+              <a:rPr lang="ru-RU" sz="2200" i="1" dirty="0" err="1">
+                <a:solidFill>
+                  <a:srgbClr val="005DA1"/>
+                </a:solidFill>
+              </a:rPr>
+              <a:t>lask</a:t>
+            </a:r>
+            <a:endParaRPr lang="en-US" sz="2200" i="1" dirty="0">
+              <a:solidFill>
+                <a:srgbClr val="005DA1"/>
+              </a:solidFill>
+            </a:endParaRPr>
+          </a:p>
+          <a:p>
+            <a:pPr marL="285750" indent="-285750">
+              <a:buFont typeface="Arial" panose="020B0604020202020204" pitchFamily="34" charset="0"/>
+              <a:buChar char="•"/>
+            </a:pPr>
+            <a:r>
+              <a:rPr lang="en-US" sz="2200" i="1" dirty="0">
+                <a:solidFill>
+                  <a:srgbClr val="005DA1"/>
+                </a:solidFill>
+              </a:rPr>
+              <a:t>requests</a:t>
+            </a:r>
+          </a:p>
+          <a:p>
+            <a:pPr marL="285750" indent="-285750">
+              <a:buFont typeface="Arial" panose="020B0604020202020204" pitchFamily="34" charset="0"/>
+              <a:buChar char="•"/>
+            </a:pPr>
+            <a:r>
+              <a:rPr lang="en-US" sz="2200" dirty="0">
+                <a:solidFill>
+                  <a:srgbClr val="005DA1"/>
+                </a:solidFill>
+              </a:rPr>
+              <a:t>random</a:t>
+            </a:r>
+          </a:p>
+          <a:p>
+            <a:pPr marL="285750" indent="-285750">
+              <a:buFont typeface="Arial" panose="020B0604020202020204" pitchFamily="34" charset="0"/>
+              <a:buChar char="•"/>
+            </a:pPr>
+            <a:r>
+              <a:rPr lang="en-US" sz="2200" dirty="0">
+                <a:solidFill>
+                  <a:srgbClr val="005DA1"/>
+                </a:solidFill>
+              </a:rPr>
+              <a:t>logging</a:t>
+            </a:r>
+          </a:p>
+          <a:p>
+            <a:pPr marL="285750" indent="-285750">
+              <a:buFont typeface="Arial" panose="020B0604020202020204" pitchFamily="34" charset="0"/>
+              <a:buChar char="•"/>
+            </a:pPr>
+            <a:r>
+              <a:rPr lang="en-US" sz="2200" dirty="0">
+                <a:solidFill>
+                  <a:srgbClr val="005DA1"/>
+                </a:solidFill>
+              </a:rPr>
+              <a:t>json</a:t>
+            </a:r>
+          </a:p>
+        </p:txBody>
+      </p:sp>
+      <p:sp>
+        <p:nvSpPr>
+          <p:cNvPr id="7" name="TextBox 6">
+            <a:extLst>
+              <a:ext uri="{FF2B5EF4-FFF2-40B4-BE49-F238E27FC236}">
+                <a16:creationId xmlns:a16="http://schemas.microsoft.com/office/drawing/2014/main" id="{82129E3E-0931-5B42-A866-2E785BE75C8F}"/>
+              </a:ext>
+            </a:extLst>
+          </p:cNvPr>
+          <p:cNvSpPr txBox="1"/>
+          <p:nvPr/>
+        </p:nvSpPr>
+        <p:spPr>
+          <a:xfrm>
+            <a:off x="4043635" y="3429000"/>
+            <a:ext cx="4501277" cy="2723823"/>
+          </a:xfrm>
+          <a:prstGeom prst="rect">
+            <a:avLst/>
+          </a:prstGeom>
+          <a:noFill/>
+        </p:spPr>
+        <p:txBody>
+          <a:bodyPr wrap="square" rtlCol="0">
+            <a:spAutoFit/>
+          </a:bodyPr>
+          <a:lstStyle/>
+          <a:p>
+            <a:r>
+              <a:rPr lang="ru-RU" sz="2200" b="1" dirty="0">
+                <a:solidFill>
+                  <a:srgbClr val="005DA1"/>
+                </a:solidFill>
+              </a:rPr>
+              <a:t>Решения:</a:t>
+            </a:r>
+          </a:p>
+          <a:p>
+            <a:endParaRPr lang="ru-RU" sz="500" b="1" dirty="0">
+              <a:solidFill>
+                <a:srgbClr val="005DA1"/>
+              </a:solidFill>
+            </a:endParaRPr>
+          </a:p>
+          <a:p>
+            <a:pPr marL="285750" indent="-285750">
+              <a:buFont typeface="Arial" panose="020B0604020202020204" pitchFamily="34" charset="0"/>
+              <a:buChar char="•"/>
+            </a:pPr>
+            <a:r>
+              <a:rPr lang="ru-RU" sz="2000" dirty="0">
+                <a:solidFill>
+                  <a:srgbClr val="005DA1"/>
+                </a:solidFill>
+              </a:rPr>
+              <a:t>Интеграция с </a:t>
+            </a:r>
+            <a:r>
+              <a:rPr lang="en-US" sz="2000" dirty="0">
+                <a:solidFill>
+                  <a:srgbClr val="005DA1"/>
+                </a:solidFill>
+              </a:rPr>
+              <a:t>API Re_restore</a:t>
+            </a:r>
+            <a:r>
+              <a:rPr lang="ru-RU" sz="2000" dirty="0">
+                <a:solidFill>
+                  <a:srgbClr val="005DA1"/>
+                </a:solidFill>
+              </a:rPr>
+              <a:t> для обмена данных.</a:t>
+            </a:r>
+          </a:p>
+          <a:p>
+            <a:pPr marL="285750" indent="-285750">
+              <a:buFont typeface="Arial" panose="020B0604020202020204" pitchFamily="34" charset="0"/>
+              <a:buChar char="•"/>
+            </a:pPr>
+            <a:endParaRPr lang="ru-RU" sz="600" i="1" dirty="0">
+              <a:solidFill>
+                <a:srgbClr val="005DA1"/>
+              </a:solidFill>
+            </a:endParaRPr>
+          </a:p>
+          <a:p>
+            <a:pPr marL="285750" indent="-285750">
+              <a:buFont typeface="Arial" panose="020B0604020202020204" pitchFamily="34" charset="0"/>
+              <a:buChar char="•"/>
+            </a:pPr>
+            <a:r>
+              <a:rPr lang="ru-RU" sz="2000" dirty="0">
+                <a:solidFill>
+                  <a:srgbClr val="005DA1"/>
+                </a:solidFill>
+              </a:rPr>
+              <a:t>Хранение пользовательских данных  сессий</a:t>
+            </a:r>
+            <a:r>
+              <a:rPr lang="en-US" sz="2000" dirty="0">
+                <a:solidFill>
+                  <a:srgbClr val="005DA1"/>
+                </a:solidFill>
+              </a:rPr>
+              <a:t> (</a:t>
+            </a:r>
+            <a:r>
+              <a:rPr lang="ru-RU" sz="2000" dirty="0">
+                <a:solidFill>
+                  <a:srgbClr val="005DA1"/>
+                </a:solidFill>
+              </a:rPr>
+              <a:t>авторизация      и текущий статус диалога</a:t>
+            </a:r>
+            <a:r>
+              <a:rPr lang="en-US" sz="2000" dirty="0">
+                <a:solidFill>
+                  <a:srgbClr val="005DA1"/>
+                </a:solidFill>
+              </a:rPr>
+              <a:t>)</a:t>
+            </a:r>
+            <a:r>
+              <a:rPr lang="ru-RU" sz="2000" dirty="0">
+                <a:solidFill>
+                  <a:srgbClr val="005DA1"/>
+                </a:solidFill>
+              </a:rPr>
+              <a:t>              в словарях.</a:t>
+            </a:r>
+          </a:p>
+          <a:p>
+            <a:endParaRPr lang="ru-RU" dirty="0">
+              <a:solidFill>
+                <a:srgbClr val="005DA1"/>
+              </a:solidFill>
+            </a:endParaRPr>
+          </a:p>
+        </p:txBody>
+      </p:sp>
+    </p:spTree>
+    <p:extLst>
+      <p:ext uri="{BB962C8B-B14F-4D97-AF65-F5344CB8AC3E}">
+        <p14:creationId xmlns:p14="http://schemas.microsoft.com/office/powerpoint/2010/main" val="1819277179"/>
+      </p:ext>
+    </p:extLst>
+  </p:cSld>
+  <p:clrMapOvr>
+    <a:masterClrMapping/>
+  </p:clrMapOvr>
+  <p:transition spd="slow">
+    <p:push dir="u"/>
+  </p:transition>
+</p:sld>
+</file>
+
+<file path=ppt/slides/slide7.xml><?xml version="1.0" encoding="utf-8"?>
+<p:sld xmlns:a="http://schemas.openxmlformats.org/drawingml/2006/main" xmlns:r="http://schemas.openxmlformats.org/officeDocument/2006/relationships" xmlns:p="http://schemas.openxmlformats.org/presentationml/2006/main">
+  <p:cSld>
+    <p:spTree>
+      <p:nvGrpSpPr>
+        <p:cNvPr id="1" name=""/>
+        <p:cNvGrpSpPr/>
+        <p:nvPr/>
+      </p:nvGrpSpPr>
+      <p:grpSpPr>
+        <a:xfrm>
+          <a:off x="0" y="0"/>
+          <a:ext cx="0" cy="0"/>
+          <a:chOff x="0" y="0"/>
+          <a:chExt cx="0" cy="0"/>
+        </a:xfrm>
+      </p:grpSpPr>
+      <p:sp>
+        <p:nvSpPr>
+          <p:cNvPr id="3" name="Объект 2">
+            <a:extLst>
+              <a:ext uri="{FF2B5EF4-FFF2-40B4-BE49-F238E27FC236}">
+                <a16:creationId xmlns:a16="http://schemas.microsoft.com/office/drawing/2014/main" id="{BD2BE14E-6EB5-084C-8010-77F85463036A}"/>
+              </a:ext>
+            </a:extLst>
+          </p:cNvPr>
+          <p:cNvSpPr>
+            <a:spLocks noGrp="1"/>
+          </p:cNvSpPr>
+          <p:nvPr>
+            <p:ph idx="1"/>
+          </p:nvPr>
+        </p:nvSpPr>
+        <p:spPr>
+          <a:xfrm>
+            <a:off x="440854" y="625704"/>
+            <a:ext cx="3038070" cy="702354"/>
+          </a:xfrm>
+        </p:spPr>
+        <p:txBody>
+          <a:bodyPr>
+            <a:noAutofit/>
+          </a:bodyPr>
+          <a:lstStyle/>
+          <a:p>
+            <a:pPr marL="0" indent="0">
+              <a:buNone/>
+            </a:pPr>
+            <a:r>
+              <a:rPr lang="ru-RU" sz="3600" dirty="0">
+                <a:solidFill>
+                  <a:schemeClr val="accent2">
+                    <a:lumMod val="75000"/>
+                  </a:schemeClr>
+                </a:solidFill>
+              </a:rPr>
+              <a:t>Перспективы</a:t>
+            </a:r>
+            <a:endParaRPr lang="ru-RU" sz="2200" dirty="0">
+              <a:solidFill>
+                <a:schemeClr val="accent2">
+                  <a:lumMod val="75000"/>
+                </a:schemeClr>
+              </a:solidFill>
+            </a:endParaRPr>
+          </a:p>
+        </p:txBody>
+      </p:sp>
+      <p:sp>
+        <p:nvSpPr>
+          <p:cNvPr id="2" name="TextBox 1">
+            <a:extLst>
+              <a:ext uri="{FF2B5EF4-FFF2-40B4-BE49-F238E27FC236}">
+                <a16:creationId xmlns:a16="http://schemas.microsoft.com/office/drawing/2014/main" id="{2B970D47-8392-8549-B89A-27CCC13CE442}"/>
+              </a:ext>
+            </a:extLst>
+          </p:cNvPr>
+          <p:cNvSpPr txBox="1"/>
+          <p:nvPr/>
+        </p:nvSpPr>
+        <p:spPr>
+          <a:xfrm>
+            <a:off x="1597282" y="1815417"/>
+            <a:ext cx="6926608" cy="1969770"/>
+          </a:xfrm>
+          <a:prstGeom prst="rect">
+            <a:avLst/>
+          </a:prstGeom>
+          <a:noFill/>
+        </p:spPr>
+        <p:txBody>
+          <a:bodyPr wrap="square" rtlCol="0">
+            <a:spAutoFit/>
+          </a:bodyPr>
+          <a:lstStyle/>
+          <a:p>
+            <a:pPr marL="285750" indent="-285750">
+              <a:buFont typeface="Arial" panose="020B0604020202020204" pitchFamily="34" charset="0"/>
+              <a:buChar char="•"/>
+            </a:pPr>
+            <a:r>
+              <a:rPr lang="ru-RU" sz="2800" dirty="0">
+                <a:solidFill>
+                  <a:srgbClr val="005DA1"/>
+                </a:solidFill>
+              </a:rPr>
+              <a:t>Реализация функционала для администратора сайта.</a:t>
+            </a:r>
+          </a:p>
+          <a:p>
+            <a:endParaRPr lang="ru-RU" sz="500" dirty="0">
+              <a:solidFill>
+                <a:srgbClr val="005DA1"/>
+              </a:solidFill>
+            </a:endParaRPr>
+          </a:p>
+          <a:p>
+            <a:pPr marL="285750" indent="-285750">
+              <a:buFont typeface="Arial" panose="020B0604020202020204" pitchFamily="34" charset="0"/>
+              <a:buChar char="•"/>
+            </a:pPr>
+            <a:r>
+              <a:rPr lang="ru-RU" sz="2800" dirty="0">
+                <a:solidFill>
+                  <a:srgbClr val="005DA1"/>
+                </a:solidFill>
+              </a:rPr>
+              <a:t>Добавление фраз для распознавания.</a:t>
+            </a:r>
+          </a:p>
+          <a:p>
+            <a:endParaRPr lang="ru-RU" sz="500" dirty="0">
+              <a:solidFill>
+                <a:srgbClr val="005DA1"/>
+              </a:solidFill>
+            </a:endParaRPr>
+          </a:p>
+          <a:p>
+            <a:pPr marL="285750" indent="-285750">
+              <a:buFont typeface="Arial" panose="020B0604020202020204" pitchFamily="34" charset="0"/>
+              <a:buChar char="•"/>
+            </a:pPr>
+            <a:r>
+              <a:rPr lang="ru-RU" sz="2800" dirty="0">
+                <a:solidFill>
+                  <a:srgbClr val="005DA1"/>
+                </a:solidFill>
+              </a:rPr>
+              <a:t>Улучшение алгоритма распознавания.</a:t>
+            </a:r>
+            <a:endParaRPr lang="en-US" sz="2600" dirty="0">
+              <a:solidFill>
+                <a:srgbClr val="005DA1"/>
+              </a:solidFill>
+            </a:endParaRPr>
+          </a:p>
+        </p:txBody>
+      </p:sp>
+    </p:spTree>
+    <p:extLst>
+      <p:ext uri="{BB962C8B-B14F-4D97-AF65-F5344CB8AC3E}">
+        <p14:creationId xmlns:p14="http://schemas.microsoft.com/office/powerpoint/2010/main" val="1400769497"/>
+      </p:ext>
+    </p:extLst>
+  </p:cSld>
+  <p:clrMapOvr>
+    <a:masterClrMapping/>
+  </p:clrMapOvr>
+  <p:transition spd="slow">
+    <p:push dir="u"/>
+  </p:transition>
+</p:sld>
+</file>
+
+<file path=ppt/slides/slide8.xml><?xml version="1.0" encoding="utf-8"?>
+<p:sld xmlns:a="http://schemas.openxmlformats.org/drawingml/2006/main" xmlns:r="http://schemas.openxmlformats.org/officeDocument/2006/relationships" xmlns:p="http://schemas.openxmlformats.org/presentationml/2006/main">
+  <p:cSld>
+    <p:spTree>
+      <p:nvGrpSpPr>
+        <p:cNvPr id="1" name=""/>
+        <p:cNvGrpSpPr/>
+        <p:nvPr/>
+      </p:nvGrpSpPr>
+      <p:grpSpPr>
+        <a:xfrm>
+          <a:off x="0" y="0"/>
+          <a:ext cx="0" cy="0"/>
+          <a:chOff x="0" y="0"/>
+          <a:chExt cx="0" cy="0"/>
+        </a:xfrm>
+      </p:grpSpPr>
+      <p:sp>
+        <p:nvSpPr>
           <p:cNvPr id="2" name="Заголовок 1">
             <a:extLst>
               <a:ext uri="{FF2B5EF4-FFF2-40B4-BE49-F238E27FC236}">
@@ -6944,10 +7392,10 @@
       </p:sp>
       <p:pic>
         <p:nvPicPr>
-          <p:cNvPr id="4" name="Рисунок 3">
+          <p:cNvPr id="5" name="Рисунок 4">
             <a:extLst>
               <a:ext uri="{FF2B5EF4-FFF2-40B4-BE49-F238E27FC236}">
-                <a16:creationId xmlns:a16="http://schemas.microsoft.com/office/drawing/2014/main" id="{57DCA22E-3A98-E249-AA09-72CEBDFB1BF2}"/>
+                <a16:creationId xmlns:a16="http://schemas.microsoft.com/office/drawing/2014/main" id="{E47B38EF-4308-714A-A693-B8E4C0826AE9}"/>
               </a:ext>
             </a:extLst>
           </p:cNvPr>
@@ -6964,8 +7412,8 @@
         </p:blipFill>
         <p:spPr>
           <a:xfrm>
-            <a:off x="2564596" y="1610296"/>
-            <a:ext cx="4805744" cy="4638102"/>
+            <a:off x="2626016" y="1566041"/>
+            <a:ext cx="5004275" cy="4851181"/>
           </a:xfrm>
           <a:prstGeom prst="rect">
             <a:avLst/>
